--- a/Sergey Brin.pptx
+++ b/Sergey Brin.pptx
@@ -6666,6 +6666,36 @@
           <a:chExt cx="0" cy="0"/>
         </a:xfrm>
       </p:grpSpPr>
+      <p:pic>
+        <p:nvPicPr>
+          <p:cNvPr id="4" name="Imagem 3"/>
+          <p:cNvPicPr>
+            <a:picLocks noChangeAspect="1"/>
+          </p:cNvPicPr>
+          <p:nvPr/>
+        </p:nvPicPr>
+        <p:blipFill>
+          <a:blip r:embed="rId2">
+            <a:extLst>
+              <a:ext uri="{28A0092B-C50C-407E-A947-70E740481C1C}">
+                <a14:useLocalDpi xmlns:a14="http://schemas.microsoft.com/office/drawing/2010/main" val="0"/>
+              </a:ext>
+            </a:extLst>
+          </a:blip>
+          <a:stretch>
+            <a:fillRect/>
+          </a:stretch>
+        </p:blipFill>
+        <p:spPr>
+          <a:xfrm>
+            <a:off x="6741369" y="3530991"/>
+            <a:ext cx="5450632" cy="3327009"/>
+          </a:xfrm>
+          <a:prstGeom prst="rect">
+            <a:avLst/>
+          </a:prstGeom>
+        </p:spPr>
+      </p:pic>
       <p:sp>
         <p:nvSpPr>
           <p:cNvPr id="2" name="Título 1"/>
@@ -6708,8 +6738,8 @@
         </p:nvSpPr>
         <p:spPr>
           <a:xfrm>
-            <a:off x="1050303" y="1707474"/>
-            <a:ext cx="8946541" cy="4195481"/>
+            <a:off x="152401" y="1404284"/>
+            <a:ext cx="8521700" cy="4195481"/>
           </a:xfrm>
         </p:spPr>
         <p:txBody>
@@ -6723,22 +6753,16 @@
               <a:buChar char="o"/>
             </a:pPr>
             <a:r>
-              <a:rPr lang="pt-BR" dirty="0">
-                <a:solidFill>
-                  <a:schemeClr val="accent3">
-                    <a:lumMod val="40000"/>
-                    <a:lumOff val="60000"/>
-                  </a:schemeClr>
+              <a:rPr lang="pt-BR" sz="1800" dirty="0">
+                <a:solidFill>
+                  <a:srgbClr val="FFFF00"/>
                 </a:solidFill>
               </a:rPr>
               <a:t>A família Brin vivia em um pequeno apartamento de três quartos, com 35 metros quadrados no centro de Moscou, que também era compartilhado com a avó paterna de Sergey.</a:t>
             </a:r>
-            <a:endParaRPr lang="pt-BR" dirty="0" smtClean="0">
+            <a:endParaRPr lang="pt-BR" sz="1800" dirty="0" smtClean="0">
               <a:solidFill>
-                <a:schemeClr val="accent3">
-                  <a:lumMod val="40000"/>
-                  <a:lumOff val="60000"/>
-                </a:schemeClr>
+                <a:srgbClr val="FFFF00"/>
               </a:solidFill>
             </a:endParaRPr>
           </a:p>
@@ -6748,34 +6772,105 @@
               <a:buChar char="o"/>
             </a:pPr>
             <a:r>
-              <a:rPr lang="pt-BR" dirty="0" smtClean="0">
-                <a:solidFill>
-                  <a:schemeClr val="accent3">
-                    <a:lumMod val="40000"/>
-                    <a:lumOff val="60000"/>
-                  </a:schemeClr>
+              <a:rPr lang="pt-BR" sz="1800" dirty="0" smtClean="0">
+                <a:solidFill>
+                  <a:srgbClr val="FFFF00"/>
                 </a:solidFill>
               </a:rPr>
               <a:t>Em </a:t>
             </a:r>
             <a:r>
-              <a:rPr lang="pt-BR" dirty="0">
-                <a:solidFill>
-                  <a:schemeClr val="accent3">
-                    <a:lumMod val="40000"/>
-                    <a:lumOff val="60000"/>
-                  </a:schemeClr>
+              <a:rPr lang="pt-BR" sz="1800" dirty="0">
+                <a:solidFill>
+                  <a:srgbClr val="FFFF00"/>
                 </a:solidFill>
               </a:rPr>
-              <a:t>1979, quando Brin tinha seis anos, sua família sentiu a necessidade de emigrar para os Estados Unidos</a:t>
-            </a:r>
-            <a:r>
-              <a:rPr lang="pt-BR" dirty="0" smtClean="0">
-                <a:solidFill>
-                  <a:schemeClr val="accent3">
-                    <a:lumMod val="40000"/>
-                    <a:lumOff val="60000"/>
-                  </a:schemeClr>
+              <a:t>uma entrevista com Mark </a:t>
+            </a:r>
+            <a:r>
+              <a:rPr lang="pt-BR" sz="1800" dirty="0" err="1">
+                <a:solidFill>
+                  <a:srgbClr val="FFFF00"/>
+                </a:solidFill>
+              </a:rPr>
+              <a:t>Malseed</a:t>
+            </a:r>
+            <a:r>
+              <a:rPr lang="pt-BR" sz="1800" dirty="0">
+                <a:solidFill>
+                  <a:srgbClr val="FFFF00"/>
+                </a:solidFill>
+              </a:rPr>
+              <a:t>, autor de The Google </a:t>
+            </a:r>
+            <a:r>
+              <a:rPr lang="pt-BR" sz="1800" dirty="0" err="1" smtClean="0">
+                <a:solidFill>
+                  <a:srgbClr val="FFFF00"/>
+                </a:solidFill>
+              </a:rPr>
+              <a:t>Story</a:t>
+            </a:r>
+            <a:r>
+              <a:rPr lang="pt-BR" sz="1800" dirty="0" smtClean="0">
+                <a:solidFill>
+                  <a:srgbClr val="FFFF00"/>
+                </a:solidFill>
+              </a:rPr>
+              <a:t>, </a:t>
+            </a:r>
+            <a:r>
+              <a:rPr lang="pt-BR" sz="1800" dirty="0" err="1">
+                <a:solidFill>
+                  <a:srgbClr val="FFFF00"/>
+                </a:solidFill>
+              </a:rPr>
+              <a:t>Mihail</a:t>
+            </a:r>
+            <a:r>
+              <a:rPr lang="pt-BR" sz="1800" dirty="0">
+                <a:solidFill>
+                  <a:srgbClr val="FFFF00"/>
+                </a:solidFill>
+              </a:rPr>
+              <a:t> </a:t>
+            </a:r>
+            <a:r>
+              <a:rPr lang="pt-BR" sz="1800" dirty="0" smtClean="0">
+                <a:solidFill>
+                  <a:srgbClr val="FFFF00"/>
+                </a:solidFill>
+              </a:rPr>
+              <a:t>Brin, o </a:t>
+            </a:r>
+            <a:r>
+              <a:rPr lang="pt-BR" sz="1800" dirty="0">
+                <a:solidFill>
+                  <a:srgbClr val="FFFF00"/>
+                </a:solidFill>
+              </a:rPr>
+              <a:t>pai de </a:t>
+            </a:r>
+            <a:r>
+              <a:rPr lang="pt-BR" sz="1800" dirty="0" smtClean="0">
+                <a:solidFill>
+                  <a:srgbClr val="FFFF00"/>
+                </a:solidFill>
+              </a:rPr>
+              <a:t>Sergey, </a:t>
+            </a:r>
+            <a:r>
+              <a:rPr lang="pt-BR" sz="1800" dirty="0">
+                <a:solidFill>
+                  <a:srgbClr val="FFFF00"/>
+                </a:solidFill>
+              </a:rPr>
+              <a:t>explica como se sentiu "forçado a abandonar seu sonho de se tornar um astrônomo, mesmo antes de chegar à faculdade</a:t>
+            </a:r>
+            <a:r>
+              <a:rPr lang="pt-BR" sz="1800" dirty="0" smtClean="0">
+                <a:solidFill>
+                  <a:srgbClr val="FFFF00"/>
                 </a:solidFill>
               </a:rPr>
               <a:t>.</a:t>
@@ -6787,136 +6882,52 @@
               <a:buChar char="o"/>
             </a:pPr>
             <a:r>
-              <a:rPr lang="pt-BR" dirty="0">
-                <a:solidFill>
-                  <a:schemeClr val="accent3">
-                    <a:lumMod val="40000"/>
-                    <a:lumOff val="60000"/>
-                  </a:schemeClr>
+              <a:rPr lang="pt-BR" sz="1800" dirty="0">
+                <a:solidFill>
+                  <a:srgbClr val="FFFF00"/>
                 </a:solidFill>
               </a:rPr>
-              <a:t>Em uma entrevista com Mark </a:t>
-            </a:r>
-            <a:r>
-              <a:rPr lang="pt-BR" dirty="0" err="1">
-                <a:solidFill>
-                  <a:schemeClr val="accent3">
-                    <a:lumMod val="40000"/>
-                    <a:lumOff val="60000"/>
-                  </a:schemeClr>
+              <a:t>Judeus foram excluídos do departamentos de </a:t>
+            </a:r>
+            <a:r>
+              <a:rPr lang="pt-BR" sz="1800" dirty="0" smtClean="0">
+                <a:solidFill>
+                  <a:srgbClr val="FFFF00"/>
                 </a:solidFill>
               </a:rPr>
-              <a:t>Malseed</a:t>
-            </a:r>
-            <a:r>
-              <a:rPr lang="pt-BR" dirty="0">
-                <a:solidFill>
-                  <a:schemeClr val="accent3">
-                    <a:lumMod val="40000"/>
-                    <a:lumOff val="60000"/>
-                  </a:schemeClr>
+              <a:t>Física, </a:t>
+            </a:r>
+            <a:r>
+              <a:rPr lang="pt-BR" sz="1800" dirty="0">
+                <a:solidFill>
+                  <a:srgbClr val="FFFF00"/>
                 </a:solidFill>
               </a:rPr>
-              <a:t>, autor de The Google </a:t>
-            </a:r>
-            <a:r>
-              <a:rPr lang="pt-BR" dirty="0" err="1" smtClean="0">
-                <a:solidFill>
-                  <a:schemeClr val="accent3">
-                    <a:lumMod val="40000"/>
-                    <a:lumOff val="60000"/>
-                  </a:schemeClr>
+              <a:t>e</a:t>
+            </a:r>
+            <a:r>
+              <a:rPr lang="pt-BR" sz="1800" dirty="0" smtClean="0">
+                <a:solidFill>
+                  <a:srgbClr val="FFFF00"/>
                 </a:solidFill>
               </a:rPr>
-              <a:t>Story</a:t>
-            </a:r>
-            <a:r>
-              <a:rPr lang="pt-BR" dirty="0" smtClean="0">
-                <a:solidFill>
-                  <a:schemeClr val="accent3">
-                    <a:lumMod val="40000"/>
-                    <a:lumOff val="60000"/>
-                  </a:schemeClr>
+              <a:t>le</a:t>
+            </a:r>
+            <a:r>
+              <a:rPr lang="pt-BR" sz="1800" dirty="0">
+                <a:solidFill>
+                  <a:srgbClr val="FFFF00"/>
                 </a:solidFill>
               </a:rPr>
-              <a:t>, </a:t>
-            </a:r>
-            <a:r>
-              <a:rPr lang="pt-BR" dirty="0" err="1">
-                <a:solidFill>
-                  <a:schemeClr val="accent3">
-                    <a:lumMod val="40000"/>
-                    <a:lumOff val="60000"/>
-                  </a:schemeClr>
+              <a:t>, portanto, mudou seus estudos para a </a:t>
+            </a:r>
+            <a:r>
+              <a:rPr lang="pt-BR" sz="1800" dirty="0" smtClean="0">
+                <a:solidFill>
+                  <a:srgbClr val="FFFF00"/>
                 </a:solidFill>
               </a:rPr>
-              <a:t>Mihail</a:t>
-            </a:r>
-            <a:r>
-              <a:rPr lang="pt-BR" dirty="0">
-                <a:solidFill>
-                  <a:schemeClr val="accent3">
-                    <a:lumMod val="40000"/>
-                    <a:lumOff val="60000"/>
-                  </a:schemeClr>
-                </a:solidFill>
-              </a:rPr>
-              <a:t> </a:t>
-            </a:r>
-            <a:r>
-              <a:rPr lang="pt-BR" dirty="0" smtClean="0">
-                <a:solidFill>
-                  <a:schemeClr val="accent3">
-                    <a:lumMod val="40000"/>
-                    <a:lumOff val="60000"/>
-                  </a:schemeClr>
-                </a:solidFill>
-              </a:rPr>
-              <a:t>Brin, o </a:t>
-            </a:r>
-            <a:r>
-              <a:rPr lang="pt-BR" dirty="0">
-                <a:solidFill>
-                  <a:schemeClr val="accent3">
-                    <a:lumMod val="40000"/>
-                    <a:lumOff val="60000"/>
-                  </a:schemeClr>
-                </a:solidFill>
-              </a:rPr>
-              <a:t>pai de </a:t>
-            </a:r>
-            <a:r>
-              <a:rPr lang="pt-BR" dirty="0" smtClean="0">
-                <a:solidFill>
-                  <a:schemeClr val="accent3">
-                    <a:lumMod val="40000"/>
-                    <a:lumOff val="60000"/>
-                  </a:schemeClr>
-                </a:solidFill>
-              </a:rPr>
-              <a:t>Sergey, </a:t>
-            </a:r>
-            <a:r>
-              <a:rPr lang="pt-BR" dirty="0">
-                <a:solidFill>
-                  <a:schemeClr val="accent3">
-                    <a:lumMod val="40000"/>
-                    <a:lumOff val="60000"/>
-                  </a:schemeClr>
-                </a:solidFill>
-              </a:rPr>
-              <a:t>explica como se sentiu "forçado a abandonar seu sonho de se tornar um astrônomo, mesmo antes de chegar à faculdade</a:t>
-            </a:r>
-            <a:r>
-              <a:rPr lang="pt-BR" dirty="0" smtClean="0">
-                <a:solidFill>
-                  <a:schemeClr val="accent3">
-                    <a:lumMod val="40000"/>
-                    <a:lumOff val="60000"/>
-                  </a:schemeClr>
-                </a:solidFill>
-              </a:rPr>
-              <a:t>.</a:t>
+              <a:t>matemática.</a:t>
             </a:r>
           </a:p>
           <a:p>
@@ -6925,94 +6936,16 @@
               <a:buChar char="o"/>
             </a:pPr>
             <a:r>
-              <a:rPr lang="pt-BR" dirty="0">
-                <a:solidFill>
-                  <a:schemeClr val="accent3">
-                    <a:lumMod val="40000"/>
-                    <a:lumOff val="60000"/>
-                  </a:schemeClr>
-                </a:solidFill>
-              </a:rPr>
-              <a:t>Judeus foram excluídos do departamentos de </a:t>
-            </a:r>
-            <a:r>
-              <a:rPr lang="pt-BR" dirty="0" smtClean="0">
-                <a:solidFill>
-                  <a:schemeClr val="accent3">
-                    <a:lumMod val="40000"/>
-                    <a:lumOff val="60000"/>
-                  </a:schemeClr>
-                </a:solidFill>
-              </a:rPr>
-              <a:t>Física, </a:t>
-            </a:r>
-            <a:r>
-              <a:rPr lang="pt-BR" dirty="0">
-                <a:solidFill>
-                  <a:schemeClr val="accent3">
-                    <a:lumMod val="40000"/>
-                    <a:lumOff val="60000"/>
-                  </a:schemeClr>
-                </a:solidFill>
-              </a:rPr>
-              <a:t>e</a:t>
-            </a:r>
-            <a:r>
-              <a:rPr lang="pt-BR" dirty="0" smtClean="0">
-                <a:solidFill>
-                  <a:schemeClr val="accent3">
-                    <a:lumMod val="40000"/>
-                    <a:lumOff val="60000"/>
-                  </a:schemeClr>
-                </a:solidFill>
-              </a:rPr>
-              <a:t>le</a:t>
-            </a:r>
-            <a:r>
-              <a:rPr lang="pt-BR" dirty="0">
-                <a:solidFill>
-                  <a:schemeClr val="accent3">
-                    <a:lumMod val="40000"/>
-                    <a:lumOff val="60000"/>
-                  </a:schemeClr>
-                </a:solidFill>
-              </a:rPr>
-              <a:t>, portanto, mudou seus estudos para a </a:t>
-            </a:r>
-            <a:r>
-              <a:rPr lang="pt-BR" dirty="0" smtClean="0">
-                <a:solidFill>
-                  <a:schemeClr val="accent3">
-                    <a:lumMod val="40000"/>
-                    <a:lumOff val="60000"/>
-                  </a:schemeClr>
-                </a:solidFill>
-              </a:rPr>
-              <a:t>matemática.</a:t>
-            </a:r>
-          </a:p>
-          <a:p>
-            <a:pPr>
-              <a:buFont typeface="Courier New" panose="02070309020205020404" pitchFamily="49" charset="0"/>
-              <a:buChar char="o"/>
-            </a:pPr>
-            <a:r>
-              <a:rPr lang="pt-BR" dirty="0">
-                <a:solidFill>
-                  <a:schemeClr val="accent3">
-                    <a:lumMod val="40000"/>
-                    <a:lumOff val="60000"/>
-                  </a:schemeClr>
+              <a:rPr lang="pt-BR" sz="1800" dirty="0">
+                <a:solidFill>
+                  <a:srgbClr val="FFFF00"/>
                 </a:solidFill>
               </a:rPr>
               <a:t>Em 1979, quando Brin tinha seis anos, sua família sentiu a necessidade de emigrar para os Estados Unidos</a:t>
             </a:r>
-            <a:endParaRPr lang="pt-BR" dirty="0">
+            <a:endParaRPr lang="pt-BR" sz="1800" dirty="0">
               <a:solidFill>
-                <a:schemeClr val="accent3">
-                  <a:lumMod val="40000"/>
-                  <a:lumOff val="60000"/>
-                </a:schemeClr>
+                <a:srgbClr val="FFFF00"/>
               </a:solidFill>
             </a:endParaRPr>
           </a:p>
@@ -7367,7 +7300,7 @@
         </p:nvSpPr>
         <p:spPr>
           <a:xfrm>
-            <a:off x="1381608" y="452719"/>
+            <a:off x="52516" y="555492"/>
             <a:ext cx="9404723" cy="1400530"/>
           </a:xfrm>
         </p:spPr>
@@ -7376,9 +7309,43 @@
           <a:lstStyle/>
           <a:p>
             <a:r>
-              <a:rPr lang="pt-BR" dirty="0"/>
-              <a:t>Educação na  América</a:t>
-            </a:r>
+              <a:rPr lang="pt-BR" sz="5400" dirty="0" smtClean="0">
+                <a:latin typeface="Leelawadee" panose="020B0502040204020203" pitchFamily="34" charset="-34"/>
+                <a:cs typeface="Leelawadee" panose="020B0502040204020203" pitchFamily="34" charset="-34"/>
+              </a:rPr>
+              <a:t>Educação </a:t>
+            </a:r>
+            <a:r>
+              <a:rPr lang="pt-BR" sz="5400" dirty="0">
+                <a:latin typeface="Leelawadee" panose="020B0502040204020203" pitchFamily="34" charset="-34"/>
+                <a:cs typeface="Leelawadee" panose="020B0502040204020203" pitchFamily="34" charset="-34"/>
+              </a:rPr>
+              <a:t>na  </a:t>
+            </a:r>
+            <a:r>
+              <a:rPr lang="pt-BR" sz="5400" dirty="0" smtClean="0">
+                <a:latin typeface="Leelawadee" panose="020B0502040204020203" pitchFamily="34" charset="-34"/>
+                <a:cs typeface="Leelawadee" panose="020B0502040204020203" pitchFamily="34" charset="-34"/>
+              </a:rPr>
+              <a:t>América, </a:t>
+            </a:r>
+            <a:br>
+              <a:rPr lang="pt-BR" sz="5400" dirty="0" smtClean="0">
+                <a:latin typeface="Leelawadee" panose="020B0502040204020203" pitchFamily="34" charset="-34"/>
+                <a:cs typeface="Leelawadee" panose="020B0502040204020203" pitchFamily="34" charset="-34"/>
+              </a:rPr>
+            </a:br>
+            <a:r>
+              <a:rPr lang="pt-BR" sz="5400" dirty="0" smtClean="0">
+                <a:latin typeface="Leelawadee" panose="020B0502040204020203" pitchFamily="34" charset="-34"/>
+                <a:cs typeface="Leelawadee" panose="020B0502040204020203" pitchFamily="34" charset="-34"/>
+              </a:rPr>
+              <a:t>Nascia o</a:t>
+            </a:r>
+            <a:endParaRPr lang="pt-BR" sz="5400" dirty="0">
+              <a:latin typeface="Leelawadee" panose="020B0502040204020203" pitchFamily="34" charset="-34"/>
+              <a:cs typeface="Leelawadee" panose="020B0502040204020203" pitchFamily="34" charset="-34"/>
+            </a:endParaRPr>
           </a:p>
         </p:txBody>
       </p:sp>
@@ -7392,11 +7359,20 @@
             <p:ph idx="1"/>
           </p:nvPr>
         </p:nvSpPr>
-        <p:spPr/>
+        <p:spPr>
+          <a:xfrm>
+            <a:off x="5011860" y="2270983"/>
+            <a:ext cx="7084084" cy="4195481"/>
+          </a:xfrm>
+        </p:spPr>
         <p:txBody>
           <a:bodyPr/>
           <a:lstStyle/>
           <a:p>
+            <a:pPr>
+              <a:buFont typeface="Courier New" panose="02070309020205020404" pitchFamily="49" charset="0"/>
+              <a:buChar char="o"/>
+            </a:pPr>
             <a:r>
               <a:rPr lang="pt-BR" dirty="0">
                 <a:solidFill>
@@ -7509,6 +7485,10 @@
             </a:r>
           </a:p>
           <a:p>
+            <a:pPr>
+              <a:buFont typeface="Courier New" panose="02070309020205020404" pitchFamily="49" charset="0"/>
+              <a:buChar char="o"/>
+            </a:pPr>
             <a:r>
               <a:rPr lang="pt-BR" dirty="0">
                 <a:solidFill>
@@ -7611,6 +7591,72 @@
           </a:p>
         </p:txBody>
       </p:sp>
+      <p:pic>
+        <p:nvPicPr>
+          <p:cNvPr id="4" name="Imagem 3"/>
+          <p:cNvPicPr>
+            <a:picLocks noChangeAspect="1"/>
+          </p:cNvPicPr>
+          <p:nvPr/>
+        </p:nvPicPr>
+        <p:blipFill>
+          <a:blip r:embed="rId2">
+            <a:extLst>
+              <a:ext uri="{28A0092B-C50C-407E-A947-70E740481C1C}">
+                <a14:useLocalDpi xmlns:a14="http://schemas.microsoft.com/office/drawing/2010/main" val="0"/>
+              </a:ext>
+            </a:extLst>
+          </a:blip>
+          <a:stretch>
+            <a:fillRect/>
+          </a:stretch>
+        </p:blipFill>
+        <p:spPr>
+          <a:xfrm>
+            <a:off x="0" y="3449934"/>
+            <a:ext cx="5092505" cy="3439319"/>
+          </a:xfrm>
+          <a:prstGeom prst="rect">
+            <a:avLst/>
+          </a:prstGeom>
+          <a:ln>
+            <a:noFill/>
+          </a:ln>
+          <a:effectLst>
+            <a:softEdge rad="112500"/>
+          </a:effectLst>
+        </p:spPr>
+      </p:pic>
+      <p:pic>
+        <p:nvPicPr>
+          <p:cNvPr id="5" name="Imagem 4"/>
+          <p:cNvPicPr>
+            <a:picLocks noChangeAspect="1"/>
+          </p:cNvPicPr>
+          <p:nvPr/>
+        </p:nvPicPr>
+        <p:blipFill>
+          <a:blip r:embed="rId3">
+            <a:extLst>
+              <a:ext uri="{28A0092B-C50C-407E-A947-70E740481C1C}">
+                <a14:useLocalDpi xmlns:a14="http://schemas.microsoft.com/office/drawing/2010/main" val="0"/>
+              </a:ext>
+            </a:extLst>
+          </a:blip>
+          <a:stretch>
+            <a:fillRect/>
+          </a:stretch>
+        </p:blipFill>
+        <p:spPr>
+          <a:xfrm>
+            <a:off x="2929841" y="1591650"/>
+            <a:ext cx="2082019" cy="679333"/>
+          </a:xfrm>
+          <a:prstGeom prst="rect">
+            <a:avLst/>
+          </a:prstGeom>
+        </p:spPr>
+      </p:pic>
     </p:spTree>
     <p:extLst>
       <p:ext uri="{BB962C8B-B14F-4D97-AF65-F5344CB8AC3E}">
